--- a/Presentations/EXPO poster CMB.pptx
+++ b/Presentations/EXPO poster CMB.pptx
@@ -212,7 +212,7 @@
           <a:p>
             <a:fld id="{0E3FB70F-A9F4-4FF2-AC56-DC9F2C7B887D}" type="datetimeFigureOut">
               <a:rPr lang="nb-NO" smtClean="0"/>
-              <a:t>13.12.2023</a:t>
+              <a:t>14.12.2023</a:t>
             </a:fld>
             <a:endParaRPr lang="nb-NO"/>
           </a:p>
@@ -5168,23 +5168,7 @@
           <a:p>
             <a:r>
               <a:rPr lang="en-US" dirty="0"/>
-              <a:t>Three models of the air heater was implemented in </a:t>
-            </a:r>
-            <a:r>
-              <a:rPr lang="en-US" dirty="0" err="1"/>
-              <a:t>OpenModelica</a:t>
-            </a:r>
-            <a:r>
-              <a:rPr lang="en-US" dirty="0"/>
-              <a:t>. The models is based on first-principles, transfer function and state space models as displayed in the </a:t>
-            </a:r>
-            <a:r>
-              <a:rPr lang="en-US" dirty="0" err="1"/>
-              <a:t>OpenModelica</a:t>
-            </a:r>
-            <a:r>
-              <a:rPr lang="en-US" dirty="0"/>
-              <a:t> implementation displayed in Figure 3.</a:t>
+              <a:t>Three models of the air heater were implemented in OpenModelica. These models are based on first-principles, transfer function, and discrete and continuous-time state space models, as illustrated in the OpenModelica implementation shown in Figure 3.</a:t>
             </a:r>
           </a:p>
         </p:txBody>
@@ -5242,7 +5226,13 @@
           <a:p>
             <a:r>
               <a:rPr lang="en-US" dirty="0"/>
-              <a:t>Both a first-principles model and an FMU of the air heater was simulated together in a Python script. The resulting plot is presented in Figure 5. The source code utilizes the models to perform a MPC simulation and compares the results for both simulations.</a:t>
+              <a:t>In a Python script, model predictive control (MPC) simulations were conducted for both a first-principles model and a FMU of the air heater. Figure 5 illustrates the resulting plot generated from these simulations.</a:t>
+            </a:r>
+          </a:p>
+          <a:p>
+            <a:r>
+              <a:rPr lang="en-US" dirty="0"/>
+              <a:t> </a:t>
             </a:r>
           </a:p>
         </p:txBody>
@@ -5357,15 +5347,7 @@
           <a:p>
             <a:r>
               <a:rPr lang="en-US" dirty="0"/>
-              <a:t>The Modelica external object class was utilized to allocate space in memory to store variables, and to perform a function call of an external C function performing an optimization and returning the results back to the Modelica environment. The optimization was performed with the </a:t>
-            </a:r>
-            <a:r>
-              <a:rPr lang="en-US" dirty="0" err="1"/>
-              <a:t>NLopt</a:t>
-            </a:r>
-            <a:r>
-              <a:rPr lang="en-US" dirty="0"/>
-              <a:t> library for C based on the the cost function given in Figure 4.</a:t>
+              <a:t>The Modelica external object class served a crucial function in overseeing memory allocation for storing computational variable values. It enabled the execution of a function call to an external C function responsible for carrying out optimization processes. The results of this optimization were then communicated back to the Modelica environment. The optimization procedure itself made use of the NLopt library for C, with the cost function delineated in Figure 4 serving as its foundation.</a:t>
             </a:r>
           </a:p>
         </p:txBody>
@@ -5425,16 +5407,7 @@
           <a:p>
             <a:r>
               <a:rPr lang="en-US" dirty="0"/>
-              <a:t>﻿this thesis provides insights into advanced control implementation strategies within the Modelica framework and serves as a practical user manual. The comprehensive explanations provided are intended to assist in the implementation of these control strategies together with the associated GitHub repository.</a:t>
-            </a:r>
-          </a:p>
-          <a:p>
-            <a:endParaRPr lang="en-US" dirty="0"/>
-          </a:p>
-          <a:p>
-            <a:r>
-              <a:rPr lang="en-US" dirty="0"/>
-              <a:t>Future work is presented in Figure 6.</a:t>
+              <a:t>﻿The thesis provides insights into advanced control implementation strategies within the Modelica framework and serves as a practical user manual. The comprehensive explanations provided are intended to assist in the implementation of these control strategies together with the associated GitHub repository.</a:t>
             </a:r>
           </a:p>
         </p:txBody>
@@ -5806,74 +5779,6 @@
           </a:p>
         </p:txBody>
       </p:sp>
-      <p:sp>
-        <p:nvSpPr>
-          <p:cNvPr id="54" name="TextBox 53">
-            <a:extLst>
-              <a:ext uri="{FF2B5EF4-FFF2-40B4-BE49-F238E27FC236}">
-                <a16:creationId xmlns:a16="http://schemas.microsoft.com/office/drawing/2014/main" id="{35310A1B-220E-5207-7969-5D8BBD0C5CF5}"/>
-              </a:ext>
-            </a:extLst>
-          </p:cNvPr>
-          <p:cNvSpPr txBox="1"/>
-          <p:nvPr/>
-        </p:nvSpPr>
-        <p:spPr>
-          <a:xfrm>
-            <a:off x="14428134" y="25500855"/>
-            <a:ext cx="5916611" cy="230832"/>
-          </a:xfrm>
-          <a:prstGeom prst="rect">
-            <a:avLst/>
-          </a:prstGeom>
-          <a:noFill/>
-        </p:spPr>
-        <p:txBody>
-          <a:bodyPr wrap="square" rtlCol="0">
-            <a:spAutoFit/>
-          </a:bodyPr>
-          <a:lstStyle/>
-          <a:p>
-            <a:pPr algn="ctr"/>
-            <a:r>
-              <a:rPr lang="en-GB" sz="900" dirty="0"/>
-              <a:t>Figure 6: Future work</a:t>
-            </a:r>
-          </a:p>
-        </p:txBody>
-      </p:sp>
-      <p:pic>
-        <p:nvPicPr>
-          <p:cNvPr id="74" name="Content Placeholder 73">
-            <a:extLst>
-              <a:ext uri="{FF2B5EF4-FFF2-40B4-BE49-F238E27FC236}">
-                <a16:creationId xmlns:a16="http://schemas.microsoft.com/office/drawing/2014/main" id="{CCCEB00A-2C62-EC70-E8B6-2DA916864565}"/>
-              </a:ext>
-            </a:extLst>
-          </p:cNvPr>
-          <p:cNvPicPr>
-            <a:picLocks noGrp="1" noChangeAspect="1"/>
-          </p:cNvPicPr>
-          <p:nvPr>
-            <p:ph sz="quarter" idx="46"/>
-          </p:nvPr>
-        </p:nvPicPr>
-        <p:blipFill>
-          <a:blip r:embed="rId6"/>
-          <a:stretch>
-            <a:fillRect/>
-          </a:stretch>
-        </p:blipFill>
-        <p:spPr>
-          <a:xfrm>
-            <a:off x="14428788" y="22586815"/>
-            <a:ext cx="5916612" cy="2575195"/>
-          </a:xfrm>
-          <a:prstGeom prst="rect">
-            <a:avLst/>
-          </a:prstGeom>
-        </p:spPr>
-      </p:pic>
       <p:pic>
         <p:nvPicPr>
           <p:cNvPr id="59" name="Content Placeholder 5" descr="A graph with lines and numbers&#10;&#10;Description automatically generated">
@@ -5891,7 +5796,7 @@
           </p:nvPr>
         </p:nvPicPr>
         <p:blipFill>
-          <a:blip r:embed="rId7">
+          <a:blip r:embed="rId6">
             <a:extLst>
               <a:ext uri="{28A0092B-C50C-407E-A947-70E740481C1C}">
                 <a14:useLocalDpi xmlns:a14="http://schemas.microsoft.com/office/drawing/2010/main" val="0"/>
@@ -5936,7 +5841,7 @@
           </p:nvPr>
         </p:nvPicPr>
         <p:blipFill rotWithShape="1">
-          <a:blip r:embed="rId8"/>
+          <a:blip r:embed="rId7"/>
           <a:srcRect t="-246" b="707"/>
           <a:stretch/>
         </p:blipFill>
